--- a/프레젠테이션1.pptx
+++ b/프레젠테이션1.pptx
@@ -10,7 +10,8 @@
     <p:sldId id="258" r:id="rId4"/>
     <p:sldId id="259" r:id="rId5"/>
     <p:sldId id="260" r:id="rId6"/>
-    <p:sldId id="261" r:id="rId7"/>
+    <p:sldId id="262" r:id="rId7"/>
+    <p:sldId id="261" r:id="rId8"/>
   </p:sldIdLst>
   <p:sldSz cx="12192000" cy="6858000"/>
   <p:notesSz cx="6858000" cy="9144000"/>
@@ -139,7 +140,7 @@
           <p:cNvPr id="2" name="제목 1">
             <a:extLst>
               <a:ext uri="{FF2B5EF4-FFF2-40B4-BE49-F238E27FC236}">
-                <a16:creationId xmlns:a16="http://schemas.microsoft.com/office/drawing/2014/main" id="{0128D1D8-1B2D-FB52-ABA8-859D94298DAC}"/>
+                <a16:creationId xmlns:a16="http://schemas.microsoft.com/office/drawing/2014/main" xmlns="" id="{0128D1D8-1B2D-FB52-ABA8-859D94298DAC}"/>
               </a:ext>
             </a:extLst>
           </p:cNvPr>
@@ -176,7 +177,7 @@
           <p:cNvPr id="3" name="부제목 2">
             <a:extLst>
               <a:ext uri="{FF2B5EF4-FFF2-40B4-BE49-F238E27FC236}">
-                <a16:creationId xmlns:a16="http://schemas.microsoft.com/office/drawing/2014/main" id="{81D18CAB-7EE6-E91A-11CD-2D99481E070A}"/>
+                <a16:creationId xmlns:a16="http://schemas.microsoft.com/office/drawing/2014/main" xmlns="" id="{81D18CAB-7EE6-E91A-11CD-2D99481E070A}"/>
               </a:ext>
             </a:extLst>
           </p:cNvPr>
@@ -246,7 +247,7 @@
           <p:cNvPr id="4" name="날짜 개체 틀 3">
             <a:extLst>
               <a:ext uri="{FF2B5EF4-FFF2-40B4-BE49-F238E27FC236}">
-                <a16:creationId xmlns:a16="http://schemas.microsoft.com/office/drawing/2014/main" id="{E8286DB7-5FBA-25B0-D45A-BC826F6859A3}"/>
+                <a16:creationId xmlns:a16="http://schemas.microsoft.com/office/drawing/2014/main" xmlns="" id="{E8286DB7-5FBA-25B0-D45A-BC826F6859A3}"/>
               </a:ext>
             </a:extLst>
           </p:cNvPr>
@@ -264,7 +265,7 @@
           <a:p>
             <a:fld id="{873FB2EB-4180-4F5C-9F90-FDABADA49251}" type="datetimeFigureOut">
               <a:rPr lang="ko-KR" altLang="en-US" smtClean="0"/>
-              <a:t>2022-11-13</a:t>
+              <a:t>2022-11-15</a:t>
             </a:fld>
             <a:endParaRPr lang="ko-KR" altLang="en-US"/>
           </a:p>
@@ -275,7 +276,7 @@
           <p:cNvPr id="5" name="바닥글 개체 틀 4">
             <a:extLst>
               <a:ext uri="{FF2B5EF4-FFF2-40B4-BE49-F238E27FC236}">
-                <a16:creationId xmlns:a16="http://schemas.microsoft.com/office/drawing/2014/main" id="{8085A87D-2198-6BB1-04B4-9B358555AF73}"/>
+                <a16:creationId xmlns:a16="http://schemas.microsoft.com/office/drawing/2014/main" xmlns="" id="{8085A87D-2198-6BB1-04B4-9B358555AF73}"/>
               </a:ext>
             </a:extLst>
           </p:cNvPr>
@@ -300,7 +301,7 @@
           <p:cNvPr id="6" name="슬라이드 번호 개체 틀 5">
             <a:extLst>
               <a:ext uri="{FF2B5EF4-FFF2-40B4-BE49-F238E27FC236}">
-                <a16:creationId xmlns:a16="http://schemas.microsoft.com/office/drawing/2014/main" id="{971629D6-2BF5-8789-C30B-7389D0E67542}"/>
+                <a16:creationId xmlns:a16="http://schemas.microsoft.com/office/drawing/2014/main" xmlns="" id="{971629D6-2BF5-8789-C30B-7389D0E67542}"/>
               </a:ext>
             </a:extLst>
           </p:cNvPr>
@@ -359,7 +360,7 @@
           <p:cNvPr id="2" name="제목 1">
             <a:extLst>
               <a:ext uri="{FF2B5EF4-FFF2-40B4-BE49-F238E27FC236}">
-                <a16:creationId xmlns:a16="http://schemas.microsoft.com/office/drawing/2014/main" id="{D849752D-1F90-8FEB-F62B-58D9D625D425}"/>
+                <a16:creationId xmlns:a16="http://schemas.microsoft.com/office/drawing/2014/main" xmlns="" id="{D849752D-1F90-8FEB-F62B-58D9D625D425}"/>
               </a:ext>
             </a:extLst>
           </p:cNvPr>
@@ -387,7 +388,7 @@
           <p:cNvPr id="3" name="세로 텍스트 개체 틀 2">
             <a:extLst>
               <a:ext uri="{FF2B5EF4-FFF2-40B4-BE49-F238E27FC236}">
-                <a16:creationId xmlns:a16="http://schemas.microsoft.com/office/drawing/2014/main" id="{4DA7D4FF-32EB-97C0-35B3-BE96E493E60E}"/>
+                <a16:creationId xmlns:a16="http://schemas.microsoft.com/office/drawing/2014/main" xmlns="" id="{4DA7D4FF-32EB-97C0-35B3-BE96E493E60E}"/>
               </a:ext>
             </a:extLst>
           </p:cNvPr>
@@ -444,7 +445,7 @@
           <p:cNvPr id="4" name="날짜 개체 틀 3">
             <a:extLst>
               <a:ext uri="{FF2B5EF4-FFF2-40B4-BE49-F238E27FC236}">
-                <a16:creationId xmlns:a16="http://schemas.microsoft.com/office/drawing/2014/main" id="{19A9EEC9-B6A8-A5E0-847A-7DE72D9B8F71}"/>
+                <a16:creationId xmlns:a16="http://schemas.microsoft.com/office/drawing/2014/main" xmlns="" id="{19A9EEC9-B6A8-A5E0-847A-7DE72D9B8F71}"/>
               </a:ext>
             </a:extLst>
           </p:cNvPr>
@@ -462,7 +463,7 @@
           <a:p>
             <a:fld id="{873FB2EB-4180-4F5C-9F90-FDABADA49251}" type="datetimeFigureOut">
               <a:rPr lang="ko-KR" altLang="en-US" smtClean="0"/>
-              <a:t>2022-11-13</a:t>
+              <a:t>2022-11-15</a:t>
             </a:fld>
             <a:endParaRPr lang="ko-KR" altLang="en-US"/>
           </a:p>
@@ -473,7 +474,7 @@
           <p:cNvPr id="5" name="바닥글 개체 틀 4">
             <a:extLst>
               <a:ext uri="{FF2B5EF4-FFF2-40B4-BE49-F238E27FC236}">
-                <a16:creationId xmlns:a16="http://schemas.microsoft.com/office/drawing/2014/main" id="{F0D0120E-46D1-01F9-88BF-45B85AC10B88}"/>
+                <a16:creationId xmlns:a16="http://schemas.microsoft.com/office/drawing/2014/main" xmlns="" id="{F0D0120E-46D1-01F9-88BF-45B85AC10B88}"/>
               </a:ext>
             </a:extLst>
           </p:cNvPr>
@@ -498,7 +499,7 @@
           <p:cNvPr id="6" name="슬라이드 번호 개체 틀 5">
             <a:extLst>
               <a:ext uri="{FF2B5EF4-FFF2-40B4-BE49-F238E27FC236}">
-                <a16:creationId xmlns:a16="http://schemas.microsoft.com/office/drawing/2014/main" id="{CEE60712-BE3A-CD64-16E8-F9C417A0B2C4}"/>
+                <a16:creationId xmlns:a16="http://schemas.microsoft.com/office/drawing/2014/main" xmlns="" id="{CEE60712-BE3A-CD64-16E8-F9C417A0B2C4}"/>
               </a:ext>
             </a:extLst>
           </p:cNvPr>
@@ -557,7 +558,7 @@
           <p:cNvPr id="2" name="세로 제목 1">
             <a:extLst>
               <a:ext uri="{FF2B5EF4-FFF2-40B4-BE49-F238E27FC236}">
-                <a16:creationId xmlns:a16="http://schemas.microsoft.com/office/drawing/2014/main" id="{2B693BDC-BB79-623B-FE83-DB50A99CA387}"/>
+                <a16:creationId xmlns:a16="http://schemas.microsoft.com/office/drawing/2014/main" xmlns="" id="{2B693BDC-BB79-623B-FE83-DB50A99CA387}"/>
               </a:ext>
             </a:extLst>
           </p:cNvPr>
@@ -590,7 +591,7 @@
           <p:cNvPr id="3" name="세로 텍스트 개체 틀 2">
             <a:extLst>
               <a:ext uri="{FF2B5EF4-FFF2-40B4-BE49-F238E27FC236}">
-                <a16:creationId xmlns:a16="http://schemas.microsoft.com/office/drawing/2014/main" id="{9AACA51C-393E-5771-BD39-665CBD785C72}"/>
+                <a16:creationId xmlns:a16="http://schemas.microsoft.com/office/drawing/2014/main" xmlns="" id="{9AACA51C-393E-5771-BD39-665CBD785C72}"/>
               </a:ext>
             </a:extLst>
           </p:cNvPr>
@@ -652,7 +653,7 @@
           <p:cNvPr id="4" name="날짜 개체 틀 3">
             <a:extLst>
               <a:ext uri="{FF2B5EF4-FFF2-40B4-BE49-F238E27FC236}">
-                <a16:creationId xmlns:a16="http://schemas.microsoft.com/office/drawing/2014/main" id="{01C6AABD-7C79-2AE2-4339-6A1C4A868BE6}"/>
+                <a16:creationId xmlns:a16="http://schemas.microsoft.com/office/drawing/2014/main" xmlns="" id="{01C6AABD-7C79-2AE2-4339-6A1C4A868BE6}"/>
               </a:ext>
             </a:extLst>
           </p:cNvPr>
@@ -670,7 +671,7 @@
           <a:p>
             <a:fld id="{873FB2EB-4180-4F5C-9F90-FDABADA49251}" type="datetimeFigureOut">
               <a:rPr lang="ko-KR" altLang="en-US" smtClean="0"/>
-              <a:t>2022-11-13</a:t>
+              <a:t>2022-11-15</a:t>
             </a:fld>
             <a:endParaRPr lang="ko-KR" altLang="en-US"/>
           </a:p>
@@ -681,7 +682,7 @@
           <p:cNvPr id="5" name="바닥글 개체 틀 4">
             <a:extLst>
               <a:ext uri="{FF2B5EF4-FFF2-40B4-BE49-F238E27FC236}">
-                <a16:creationId xmlns:a16="http://schemas.microsoft.com/office/drawing/2014/main" id="{3FDA1D31-EFFE-2FB7-98F5-1AA385777421}"/>
+                <a16:creationId xmlns:a16="http://schemas.microsoft.com/office/drawing/2014/main" xmlns="" id="{3FDA1D31-EFFE-2FB7-98F5-1AA385777421}"/>
               </a:ext>
             </a:extLst>
           </p:cNvPr>
@@ -706,7 +707,7 @@
           <p:cNvPr id="6" name="슬라이드 번호 개체 틀 5">
             <a:extLst>
               <a:ext uri="{FF2B5EF4-FFF2-40B4-BE49-F238E27FC236}">
-                <a16:creationId xmlns:a16="http://schemas.microsoft.com/office/drawing/2014/main" id="{54C11163-63B6-803E-ABFD-1A38180EDD4F}"/>
+                <a16:creationId xmlns:a16="http://schemas.microsoft.com/office/drawing/2014/main" xmlns="" id="{54C11163-63B6-803E-ABFD-1A38180EDD4F}"/>
               </a:ext>
             </a:extLst>
           </p:cNvPr>
@@ -765,7 +766,7 @@
           <p:cNvPr id="2" name="제목 1">
             <a:extLst>
               <a:ext uri="{FF2B5EF4-FFF2-40B4-BE49-F238E27FC236}">
-                <a16:creationId xmlns:a16="http://schemas.microsoft.com/office/drawing/2014/main" id="{E5BCDF1C-AD40-2F1F-C18E-2EDF36F74D87}"/>
+                <a16:creationId xmlns:a16="http://schemas.microsoft.com/office/drawing/2014/main" xmlns="" id="{E5BCDF1C-AD40-2F1F-C18E-2EDF36F74D87}"/>
               </a:ext>
             </a:extLst>
           </p:cNvPr>
@@ -793,7 +794,7 @@
           <p:cNvPr id="3" name="내용 개체 틀 2">
             <a:extLst>
               <a:ext uri="{FF2B5EF4-FFF2-40B4-BE49-F238E27FC236}">
-                <a16:creationId xmlns:a16="http://schemas.microsoft.com/office/drawing/2014/main" id="{F74AC546-02E9-1E47-F7EB-76B3B606B941}"/>
+                <a16:creationId xmlns:a16="http://schemas.microsoft.com/office/drawing/2014/main" xmlns="" id="{F74AC546-02E9-1E47-F7EB-76B3B606B941}"/>
               </a:ext>
             </a:extLst>
           </p:cNvPr>
@@ -850,7 +851,7 @@
           <p:cNvPr id="4" name="날짜 개체 틀 3">
             <a:extLst>
               <a:ext uri="{FF2B5EF4-FFF2-40B4-BE49-F238E27FC236}">
-                <a16:creationId xmlns:a16="http://schemas.microsoft.com/office/drawing/2014/main" id="{49DD4F65-483C-37A0-1241-AA80E9B19CFE}"/>
+                <a16:creationId xmlns:a16="http://schemas.microsoft.com/office/drawing/2014/main" xmlns="" id="{49DD4F65-483C-37A0-1241-AA80E9B19CFE}"/>
               </a:ext>
             </a:extLst>
           </p:cNvPr>
@@ -868,7 +869,7 @@
           <a:p>
             <a:fld id="{873FB2EB-4180-4F5C-9F90-FDABADA49251}" type="datetimeFigureOut">
               <a:rPr lang="ko-KR" altLang="en-US" smtClean="0"/>
-              <a:t>2022-11-13</a:t>
+              <a:t>2022-11-15</a:t>
             </a:fld>
             <a:endParaRPr lang="ko-KR" altLang="en-US"/>
           </a:p>
@@ -879,7 +880,7 @@
           <p:cNvPr id="5" name="바닥글 개체 틀 4">
             <a:extLst>
               <a:ext uri="{FF2B5EF4-FFF2-40B4-BE49-F238E27FC236}">
-                <a16:creationId xmlns:a16="http://schemas.microsoft.com/office/drawing/2014/main" id="{C76FDA6F-A8F5-97D1-2D6A-61CE8F71C9E3}"/>
+                <a16:creationId xmlns:a16="http://schemas.microsoft.com/office/drawing/2014/main" xmlns="" id="{C76FDA6F-A8F5-97D1-2D6A-61CE8F71C9E3}"/>
               </a:ext>
             </a:extLst>
           </p:cNvPr>
@@ -904,7 +905,7 @@
           <p:cNvPr id="6" name="슬라이드 번호 개체 틀 5">
             <a:extLst>
               <a:ext uri="{FF2B5EF4-FFF2-40B4-BE49-F238E27FC236}">
-                <a16:creationId xmlns:a16="http://schemas.microsoft.com/office/drawing/2014/main" id="{1B7102F6-D782-13F7-3F57-189D85042382}"/>
+                <a16:creationId xmlns:a16="http://schemas.microsoft.com/office/drawing/2014/main" xmlns="" id="{1B7102F6-D782-13F7-3F57-189D85042382}"/>
               </a:ext>
             </a:extLst>
           </p:cNvPr>
@@ -963,7 +964,7 @@
           <p:cNvPr id="2" name="제목 1">
             <a:extLst>
               <a:ext uri="{FF2B5EF4-FFF2-40B4-BE49-F238E27FC236}">
-                <a16:creationId xmlns:a16="http://schemas.microsoft.com/office/drawing/2014/main" id="{FD406220-565C-6D5A-D8F7-1E8ED4EF1F26}"/>
+                <a16:creationId xmlns:a16="http://schemas.microsoft.com/office/drawing/2014/main" xmlns="" id="{FD406220-565C-6D5A-D8F7-1E8ED4EF1F26}"/>
               </a:ext>
             </a:extLst>
           </p:cNvPr>
@@ -1000,7 +1001,7 @@
           <p:cNvPr id="3" name="텍스트 개체 틀 2">
             <a:extLst>
               <a:ext uri="{FF2B5EF4-FFF2-40B4-BE49-F238E27FC236}">
-                <a16:creationId xmlns:a16="http://schemas.microsoft.com/office/drawing/2014/main" id="{8882F757-CF8C-38BA-CFCB-1C7CD0735DBF}"/>
+                <a16:creationId xmlns:a16="http://schemas.microsoft.com/office/drawing/2014/main" xmlns="" id="{8882F757-CF8C-38BA-CFCB-1C7CD0735DBF}"/>
               </a:ext>
             </a:extLst>
           </p:cNvPr>
@@ -1125,7 +1126,7 @@
           <p:cNvPr id="4" name="날짜 개체 틀 3">
             <a:extLst>
               <a:ext uri="{FF2B5EF4-FFF2-40B4-BE49-F238E27FC236}">
-                <a16:creationId xmlns:a16="http://schemas.microsoft.com/office/drawing/2014/main" id="{9363F8F2-272D-DF67-D019-EB850A72E696}"/>
+                <a16:creationId xmlns:a16="http://schemas.microsoft.com/office/drawing/2014/main" xmlns="" id="{9363F8F2-272D-DF67-D019-EB850A72E696}"/>
               </a:ext>
             </a:extLst>
           </p:cNvPr>
@@ -1143,7 +1144,7 @@
           <a:p>
             <a:fld id="{873FB2EB-4180-4F5C-9F90-FDABADA49251}" type="datetimeFigureOut">
               <a:rPr lang="ko-KR" altLang="en-US" smtClean="0"/>
-              <a:t>2022-11-13</a:t>
+              <a:t>2022-11-15</a:t>
             </a:fld>
             <a:endParaRPr lang="ko-KR" altLang="en-US"/>
           </a:p>
@@ -1154,7 +1155,7 @@
           <p:cNvPr id="5" name="바닥글 개체 틀 4">
             <a:extLst>
               <a:ext uri="{FF2B5EF4-FFF2-40B4-BE49-F238E27FC236}">
-                <a16:creationId xmlns:a16="http://schemas.microsoft.com/office/drawing/2014/main" id="{0175D9DD-449B-9A21-2E91-0B4AD9F77BA0}"/>
+                <a16:creationId xmlns:a16="http://schemas.microsoft.com/office/drawing/2014/main" xmlns="" id="{0175D9DD-449B-9A21-2E91-0B4AD9F77BA0}"/>
               </a:ext>
             </a:extLst>
           </p:cNvPr>
@@ -1179,7 +1180,7 @@
           <p:cNvPr id="6" name="슬라이드 번호 개체 틀 5">
             <a:extLst>
               <a:ext uri="{FF2B5EF4-FFF2-40B4-BE49-F238E27FC236}">
-                <a16:creationId xmlns:a16="http://schemas.microsoft.com/office/drawing/2014/main" id="{CBBAC7F3-6623-80FF-84C0-0D09F6E6B4D1}"/>
+                <a16:creationId xmlns:a16="http://schemas.microsoft.com/office/drawing/2014/main" xmlns="" id="{CBBAC7F3-6623-80FF-84C0-0D09F6E6B4D1}"/>
               </a:ext>
             </a:extLst>
           </p:cNvPr>
@@ -1238,7 +1239,7 @@
           <p:cNvPr id="2" name="제목 1">
             <a:extLst>
               <a:ext uri="{FF2B5EF4-FFF2-40B4-BE49-F238E27FC236}">
-                <a16:creationId xmlns:a16="http://schemas.microsoft.com/office/drawing/2014/main" id="{0F7B93D5-E299-74FE-F635-8367A1A49829}"/>
+                <a16:creationId xmlns:a16="http://schemas.microsoft.com/office/drawing/2014/main" xmlns="" id="{0F7B93D5-E299-74FE-F635-8367A1A49829}"/>
               </a:ext>
             </a:extLst>
           </p:cNvPr>
@@ -1266,7 +1267,7 @@
           <p:cNvPr id="3" name="내용 개체 틀 2">
             <a:extLst>
               <a:ext uri="{FF2B5EF4-FFF2-40B4-BE49-F238E27FC236}">
-                <a16:creationId xmlns:a16="http://schemas.microsoft.com/office/drawing/2014/main" id="{52DF1E18-30ED-30C0-5EED-FA0F1AFB1F87}"/>
+                <a16:creationId xmlns:a16="http://schemas.microsoft.com/office/drawing/2014/main" xmlns="" id="{52DF1E18-30ED-30C0-5EED-FA0F1AFB1F87}"/>
               </a:ext>
             </a:extLst>
           </p:cNvPr>
@@ -1328,7 +1329,7 @@
           <p:cNvPr id="4" name="내용 개체 틀 3">
             <a:extLst>
               <a:ext uri="{FF2B5EF4-FFF2-40B4-BE49-F238E27FC236}">
-                <a16:creationId xmlns:a16="http://schemas.microsoft.com/office/drawing/2014/main" id="{DF8D7AD1-7082-E78C-4860-25C36B840DA6}"/>
+                <a16:creationId xmlns:a16="http://schemas.microsoft.com/office/drawing/2014/main" xmlns="" id="{DF8D7AD1-7082-E78C-4860-25C36B840DA6}"/>
               </a:ext>
             </a:extLst>
           </p:cNvPr>
@@ -1390,7 +1391,7 @@
           <p:cNvPr id="5" name="날짜 개체 틀 4">
             <a:extLst>
               <a:ext uri="{FF2B5EF4-FFF2-40B4-BE49-F238E27FC236}">
-                <a16:creationId xmlns:a16="http://schemas.microsoft.com/office/drawing/2014/main" id="{32616D74-8017-6E99-33E9-C1AEBAD5753B}"/>
+                <a16:creationId xmlns:a16="http://schemas.microsoft.com/office/drawing/2014/main" xmlns="" id="{32616D74-8017-6E99-33E9-C1AEBAD5753B}"/>
               </a:ext>
             </a:extLst>
           </p:cNvPr>
@@ -1408,7 +1409,7 @@
           <a:p>
             <a:fld id="{873FB2EB-4180-4F5C-9F90-FDABADA49251}" type="datetimeFigureOut">
               <a:rPr lang="ko-KR" altLang="en-US" smtClean="0"/>
-              <a:t>2022-11-13</a:t>
+              <a:t>2022-11-15</a:t>
             </a:fld>
             <a:endParaRPr lang="ko-KR" altLang="en-US"/>
           </a:p>
@@ -1419,7 +1420,7 @@
           <p:cNvPr id="6" name="바닥글 개체 틀 5">
             <a:extLst>
               <a:ext uri="{FF2B5EF4-FFF2-40B4-BE49-F238E27FC236}">
-                <a16:creationId xmlns:a16="http://schemas.microsoft.com/office/drawing/2014/main" id="{65434407-F4E0-1CD9-8764-979647195695}"/>
+                <a16:creationId xmlns:a16="http://schemas.microsoft.com/office/drawing/2014/main" xmlns="" id="{65434407-F4E0-1CD9-8764-979647195695}"/>
               </a:ext>
             </a:extLst>
           </p:cNvPr>
@@ -1444,7 +1445,7 @@
           <p:cNvPr id="7" name="슬라이드 번호 개체 틀 6">
             <a:extLst>
               <a:ext uri="{FF2B5EF4-FFF2-40B4-BE49-F238E27FC236}">
-                <a16:creationId xmlns:a16="http://schemas.microsoft.com/office/drawing/2014/main" id="{970AACB8-F32A-81B3-35C2-8EAD6F2552B0}"/>
+                <a16:creationId xmlns:a16="http://schemas.microsoft.com/office/drawing/2014/main" xmlns="" id="{970AACB8-F32A-81B3-35C2-8EAD6F2552B0}"/>
               </a:ext>
             </a:extLst>
           </p:cNvPr>
@@ -1503,7 +1504,7 @@
           <p:cNvPr id="2" name="제목 1">
             <a:extLst>
               <a:ext uri="{FF2B5EF4-FFF2-40B4-BE49-F238E27FC236}">
-                <a16:creationId xmlns:a16="http://schemas.microsoft.com/office/drawing/2014/main" id="{6FCF9E6B-4584-6265-A69F-C4A2A79AC720}"/>
+                <a16:creationId xmlns:a16="http://schemas.microsoft.com/office/drawing/2014/main" xmlns="" id="{6FCF9E6B-4584-6265-A69F-C4A2A79AC720}"/>
               </a:ext>
             </a:extLst>
           </p:cNvPr>
@@ -1536,7 +1537,7 @@
           <p:cNvPr id="3" name="텍스트 개체 틀 2">
             <a:extLst>
               <a:ext uri="{FF2B5EF4-FFF2-40B4-BE49-F238E27FC236}">
-                <a16:creationId xmlns:a16="http://schemas.microsoft.com/office/drawing/2014/main" id="{9756FCE4-E36C-FF7C-C558-BA888AC92D6A}"/>
+                <a16:creationId xmlns:a16="http://schemas.microsoft.com/office/drawing/2014/main" xmlns="" id="{9756FCE4-E36C-FF7C-C558-BA888AC92D6A}"/>
               </a:ext>
             </a:extLst>
           </p:cNvPr>
@@ -1607,7 +1608,7 @@
           <p:cNvPr id="4" name="내용 개체 틀 3">
             <a:extLst>
               <a:ext uri="{FF2B5EF4-FFF2-40B4-BE49-F238E27FC236}">
-                <a16:creationId xmlns:a16="http://schemas.microsoft.com/office/drawing/2014/main" id="{3CBD102B-485B-32AC-5373-9E4D441AE4F9}"/>
+                <a16:creationId xmlns:a16="http://schemas.microsoft.com/office/drawing/2014/main" xmlns="" id="{3CBD102B-485B-32AC-5373-9E4D441AE4F9}"/>
               </a:ext>
             </a:extLst>
           </p:cNvPr>
@@ -1669,7 +1670,7 @@
           <p:cNvPr id="5" name="텍스트 개체 틀 4">
             <a:extLst>
               <a:ext uri="{FF2B5EF4-FFF2-40B4-BE49-F238E27FC236}">
-                <a16:creationId xmlns:a16="http://schemas.microsoft.com/office/drawing/2014/main" id="{58748144-208F-EDE3-9410-88AFC34C0353}"/>
+                <a16:creationId xmlns:a16="http://schemas.microsoft.com/office/drawing/2014/main" xmlns="" id="{58748144-208F-EDE3-9410-88AFC34C0353}"/>
               </a:ext>
             </a:extLst>
           </p:cNvPr>
@@ -1740,7 +1741,7 @@
           <p:cNvPr id="6" name="내용 개체 틀 5">
             <a:extLst>
               <a:ext uri="{FF2B5EF4-FFF2-40B4-BE49-F238E27FC236}">
-                <a16:creationId xmlns:a16="http://schemas.microsoft.com/office/drawing/2014/main" id="{BCFFCF3B-4A00-54C8-5883-1A83ACAAC187}"/>
+                <a16:creationId xmlns:a16="http://schemas.microsoft.com/office/drawing/2014/main" xmlns="" id="{BCFFCF3B-4A00-54C8-5883-1A83ACAAC187}"/>
               </a:ext>
             </a:extLst>
           </p:cNvPr>
@@ -1802,7 +1803,7 @@
           <p:cNvPr id="7" name="날짜 개체 틀 6">
             <a:extLst>
               <a:ext uri="{FF2B5EF4-FFF2-40B4-BE49-F238E27FC236}">
-                <a16:creationId xmlns:a16="http://schemas.microsoft.com/office/drawing/2014/main" id="{F5E01557-5F98-F87A-DCF9-F7EED8272589}"/>
+                <a16:creationId xmlns:a16="http://schemas.microsoft.com/office/drawing/2014/main" xmlns="" id="{F5E01557-5F98-F87A-DCF9-F7EED8272589}"/>
               </a:ext>
             </a:extLst>
           </p:cNvPr>
@@ -1820,7 +1821,7 @@
           <a:p>
             <a:fld id="{873FB2EB-4180-4F5C-9F90-FDABADA49251}" type="datetimeFigureOut">
               <a:rPr lang="ko-KR" altLang="en-US" smtClean="0"/>
-              <a:t>2022-11-13</a:t>
+              <a:t>2022-11-15</a:t>
             </a:fld>
             <a:endParaRPr lang="ko-KR" altLang="en-US"/>
           </a:p>
@@ -1831,7 +1832,7 @@
           <p:cNvPr id="8" name="바닥글 개체 틀 7">
             <a:extLst>
               <a:ext uri="{FF2B5EF4-FFF2-40B4-BE49-F238E27FC236}">
-                <a16:creationId xmlns:a16="http://schemas.microsoft.com/office/drawing/2014/main" id="{55914CC1-31C2-33FF-BF8C-6C1442FC12B2}"/>
+                <a16:creationId xmlns:a16="http://schemas.microsoft.com/office/drawing/2014/main" xmlns="" id="{55914CC1-31C2-33FF-BF8C-6C1442FC12B2}"/>
               </a:ext>
             </a:extLst>
           </p:cNvPr>
@@ -1856,7 +1857,7 @@
           <p:cNvPr id="9" name="슬라이드 번호 개체 틀 8">
             <a:extLst>
               <a:ext uri="{FF2B5EF4-FFF2-40B4-BE49-F238E27FC236}">
-                <a16:creationId xmlns:a16="http://schemas.microsoft.com/office/drawing/2014/main" id="{3CF2FB74-56C6-0530-AC43-CA09E55494EA}"/>
+                <a16:creationId xmlns:a16="http://schemas.microsoft.com/office/drawing/2014/main" xmlns="" id="{3CF2FB74-56C6-0530-AC43-CA09E55494EA}"/>
               </a:ext>
             </a:extLst>
           </p:cNvPr>
@@ -1915,7 +1916,7 @@
           <p:cNvPr id="2" name="제목 1">
             <a:extLst>
               <a:ext uri="{FF2B5EF4-FFF2-40B4-BE49-F238E27FC236}">
-                <a16:creationId xmlns:a16="http://schemas.microsoft.com/office/drawing/2014/main" id="{484E54DF-5AB3-D4CC-FDFC-90CB2420F35B}"/>
+                <a16:creationId xmlns:a16="http://schemas.microsoft.com/office/drawing/2014/main" xmlns="" id="{484E54DF-5AB3-D4CC-FDFC-90CB2420F35B}"/>
               </a:ext>
             </a:extLst>
           </p:cNvPr>
@@ -1943,7 +1944,7 @@
           <p:cNvPr id="3" name="날짜 개체 틀 2">
             <a:extLst>
               <a:ext uri="{FF2B5EF4-FFF2-40B4-BE49-F238E27FC236}">
-                <a16:creationId xmlns:a16="http://schemas.microsoft.com/office/drawing/2014/main" id="{874FFAD3-EBD4-DC53-45A7-B1D3A3701F08}"/>
+                <a16:creationId xmlns:a16="http://schemas.microsoft.com/office/drawing/2014/main" xmlns="" id="{874FFAD3-EBD4-DC53-45A7-B1D3A3701F08}"/>
               </a:ext>
             </a:extLst>
           </p:cNvPr>
@@ -1961,7 +1962,7 @@
           <a:p>
             <a:fld id="{873FB2EB-4180-4F5C-9F90-FDABADA49251}" type="datetimeFigureOut">
               <a:rPr lang="ko-KR" altLang="en-US" smtClean="0"/>
-              <a:t>2022-11-13</a:t>
+              <a:t>2022-11-15</a:t>
             </a:fld>
             <a:endParaRPr lang="ko-KR" altLang="en-US"/>
           </a:p>
@@ -1972,7 +1973,7 @@
           <p:cNvPr id="4" name="바닥글 개체 틀 3">
             <a:extLst>
               <a:ext uri="{FF2B5EF4-FFF2-40B4-BE49-F238E27FC236}">
-                <a16:creationId xmlns:a16="http://schemas.microsoft.com/office/drawing/2014/main" id="{649B39F1-3139-728D-B463-C19A704A96E4}"/>
+                <a16:creationId xmlns:a16="http://schemas.microsoft.com/office/drawing/2014/main" xmlns="" id="{649B39F1-3139-728D-B463-C19A704A96E4}"/>
               </a:ext>
             </a:extLst>
           </p:cNvPr>
@@ -1997,7 +1998,7 @@
           <p:cNvPr id="5" name="슬라이드 번호 개체 틀 4">
             <a:extLst>
               <a:ext uri="{FF2B5EF4-FFF2-40B4-BE49-F238E27FC236}">
-                <a16:creationId xmlns:a16="http://schemas.microsoft.com/office/drawing/2014/main" id="{7ED5531D-D7F3-2072-732F-1F4388245A4C}"/>
+                <a16:creationId xmlns:a16="http://schemas.microsoft.com/office/drawing/2014/main" xmlns="" id="{7ED5531D-D7F3-2072-732F-1F4388245A4C}"/>
               </a:ext>
             </a:extLst>
           </p:cNvPr>
@@ -2056,7 +2057,7 @@
           <p:cNvPr id="2" name="날짜 개체 틀 1">
             <a:extLst>
               <a:ext uri="{FF2B5EF4-FFF2-40B4-BE49-F238E27FC236}">
-                <a16:creationId xmlns:a16="http://schemas.microsoft.com/office/drawing/2014/main" id="{F1BD19B2-040A-7F41-06EF-32E3A6775D1E}"/>
+                <a16:creationId xmlns:a16="http://schemas.microsoft.com/office/drawing/2014/main" xmlns="" id="{F1BD19B2-040A-7F41-06EF-32E3A6775D1E}"/>
               </a:ext>
             </a:extLst>
           </p:cNvPr>
@@ -2074,7 +2075,7 @@
           <a:p>
             <a:fld id="{873FB2EB-4180-4F5C-9F90-FDABADA49251}" type="datetimeFigureOut">
               <a:rPr lang="ko-KR" altLang="en-US" smtClean="0"/>
-              <a:t>2022-11-13</a:t>
+              <a:t>2022-11-15</a:t>
             </a:fld>
             <a:endParaRPr lang="ko-KR" altLang="en-US"/>
           </a:p>
@@ -2085,7 +2086,7 @@
           <p:cNvPr id="3" name="바닥글 개체 틀 2">
             <a:extLst>
               <a:ext uri="{FF2B5EF4-FFF2-40B4-BE49-F238E27FC236}">
-                <a16:creationId xmlns:a16="http://schemas.microsoft.com/office/drawing/2014/main" id="{0DAB7E22-68E0-E650-BB4B-BA6AF588CA27}"/>
+                <a16:creationId xmlns:a16="http://schemas.microsoft.com/office/drawing/2014/main" xmlns="" id="{0DAB7E22-68E0-E650-BB4B-BA6AF588CA27}"/>
               </a:ext>
             </a:extLst>
           </p:cNvPr>
@@ -2110,7 +2111,7 @@
           <p:cNvPr id="4" name="슬라이드 번호 개체 틀 3">
             <a:extLst>
               <a:ext uri="{FF2B5EF4-FFF2-40B4-BE49-F238E27FC236}">
-                <a16:creationId xmlns:a16="http://schemas.microsoft.com/office/drawing/2014/main" id="{D393CAD2-7C93-7A04-B960-2D1A843B72E9}"/>
+                <a16:creationId xmlns:a16="http://schemas.microsoft.com/office/drawing/2014/main" xmlns="" id="{D393CAD2-7C93-7A04-B960-2D1A843B72E9}"/>
               </a:ext>
             </a:extLst>
           </p:cNvPr>
@@ -2169,7 +2170,7 @@
           <p:cNvPr id="2" name="제목 1">
             <a:extLst>
               <a:ext uri="{FF2B5EF4-FFF2-40B4-BE49-F238E27FC236}">
-                <a16:creationId xmlns:a16="http://schemas.microsoft.com/office/drawing/2014/main" id="{6E4B06DB-B95F-3BBE-7346-0F7C59EC32BE}"/>
+                <a16:creationId xmlns:a16="http://schemas.microsoft.com/office/drawing/2014/main" xmlns="" id="{6E4B06DB-B95F-3BBE-7346-0F7C59EC32BE}"/>
               </a:ext>
             </a:extLst>
           </p:cNvPr>
@@ -2206,7 +2207,7 @@
           <p:cNvPr id="3" name="내용 개체 틀 2">
             <a:extLst>
               <a:ext uri="{FF2B5EF4-FFF2-40B4-BE49-F238E27FC236}">
-                <a16:creationId xmlns:a16="http://schemas.microsoft.com/office/drawing/2014/main" id="{AFBE0C5C-D688-79F3-F10A-0C5E6FBAD28D}"/>
+                <a16:creationId xmlns:a16="http://schemas.microsoft.com/office/drawing/2014/main" xmlns="" id="{AFBE0C5C-D688-79F3-F10A-0C5E6FBAD28D}"/>
               </a:ext>
             </a:extLst>
           </p:cNvPr>
@@ -2296,7 +2297,7 @@
           <p:cNvPr id="4" name="텍스트 개체 틀 3">
             <a:extLst>
               <a:ext uri="{FF2B5EF4-FFF2-40B4-BE49-F238E27FC236}">
-                <a16:creationId xmlns:a16="http://schemas.microsoft.com/office/drawing/2014/main" id="{39172D6E-13F8-1A93-C337-34FEE23F1516}"/>
+                <a16:creationId xmlns:a16="http://schemas.microsoft.com/office/drawing/2014/main" xmlns="" id="{39172D6E-13F8-1A93-C337-34FEE23F1516}"/>
               </a:ext>
             </a:extLst>
           </p:cNvPr>
@@ -2367,7 +2368,7 @@
           <p:cNvPr id="5" name="날짜 개체 틀 4">
             <a:extLst>
               <a:ext uri="{FF2B5EF4-FFF2-40B4-BE49-F238E27FC236}">
-                <a16:creationId xmlns:a16="http://schemas.microsoft.com/office/drawing/2014/main" id="{C4E751ED-BF58-0D88-ABE1-42A5063053A3}"/>
+                <a16:creationId xmlns:a16="http://schemas.microsoft.com/office/drawing/2014/main" xmlns="" id="{C4E751ED-BF58-0D88-ABE1-42A5063053A3}"/>
               </a:ext>
             </a:extLst>
           </p:cNvPr>
@@ -2385,7 +2386,7 @@
           <a:p>
             <a:fld id="{873FB2EB-4180-4F5C-9F90-FDABADA49251}" type="datetimeFigureOut">
               <a:rPr lang="ko-KR" altLang="en-US" smtClean="0"/>
-              <a:t>2022-11-13</a:t>
+              <a:t>2022-11-15</a:t>
             </a:fld>
             <a:endParaRPr lang="ko-KR" altLang="en-US"/>
           </a:p>
@@ -2396,7 +2397,7 @@
           <p:cNvPr id="6" name="바닥글 개체 틀 5">
             <a:extLst>
               <a:ext uri="{FF2B5EF4-FFF2-40B4-BE49-F238E27FC236}">
-                <a16:creationId xmlns:a16="http://schemas.microsoft.com/office/drawing/2014/main" id="{5824575B-163E-58AE-DE25-FC4F36AEF9C2}"/>
+                <a16:creationId xmlns:a16="http://schemas.microsoft.com/office/drawing/2014/main" xmlns="" id="{5824575B-163E-58AE-DE25-FC4F36AEF9C2}"/>
               </a:ext>
             </a:extLst>
           </p:cNvPr>
@@ -2421,7 +2422,7 @@
           <p:cNvPr id="7" name="슬라이드 번호 개체 틀 6">
             <a:extLst>
               <a:ext uri="{FF2B5EF4-FFF2-40B4-BE49-F238E27FC236}">
-                <a16:creationId xmlns:a16="http://schemas.microsoft.com/office/drawing/2014/main" id="{E9E4D3D7-2FCD-C3EB-AB99-452B8C32D8FA}"/>
+                <a16:creationId xmlns:a16="http://schemas.microsoft.com/office/drawing/2014/main" xmlns="" id="{E9E4D3D7-2FCD-C3EB-AB99-452B8C32D8FA}"/>
               </a:ext>
             </a:extLst>
           </p:cNvPr>
@@ -2480,7 +2481,7 @@
           <p:cNvPr id="2" name="제목 1">
             <a:extLst>
               <a:ext uri="{FF2B5EF4-FFF2-40B4-BE49-F238E27FC236}">
-                <a16:creationId xmlns:a16="http://schemas.microsoft.com/office/drawing/2014/main" id="{7905073B-62B3-EA99-7029-761FF9F4A2FF}"/>
+                <a16:creationId xmlns:a16="http://schemas.microsoft.com/office/drawing/2014/main" xmlns="" id="{7905073B-62B3-EA99-7029-761FF9F4A2FF}"/>
               </a:ext>
             </a:extLst>
           </p:cNvPr>
@@ -2517,7 +2518,7 @@
           <p:cNvPr id="3" name="그림 개체 틀 2">
             <a:extLst>
               <a:ext uri="{FF2B5EF4-FFF2-40B4-BE49-F238E27FC236}">
-                <a16:creationId xmlns:a16="http://schemas.microsoft.com/office/drawing/2014/main" id="{971D4420-89EF-A397-FBCC-7A9F9A3FF948}"/>
+                <a16:creationId xmlns:a16="http://schemas.microsoft.com/office/drawing/2014/main" xmlns="" id="{971D4420-89EF-A397-FBCC-7A9F9A3FF948}"/>
               </a:ext>
             </a:extLst>
           </p:cNvPr>
@@ -2584,7 +2585,7 @@
           <p:cNvPr id="4" name="텍스트 개체 틀 3">
             <a:extLst>
               <a:ext uri="{FF2B5EF4-FFF2-40B4-BE49-F238E27FC236}">
-                <a16:creationId xmlns:a16="http://schemas.microsoft.com/office/drawing/2014/main" id="{CD90EC06-ECD8-07B9-C1F8-CD92304E1BE4}"/>
+                <a16:creationId xmlns:a16="http://schemas.microsoft.com/office/drawing/2014/main" xmlns="" id="{CD90EC06-ECD8-07B9-C1F8-CD92304E1BE4}"/>
               </a:ext>
             </a:extLst>
           </p:cNvPr>
@@ -2655,7 +2656,7 @@
           <p:cNvPr id="5" name="날짜 개체 틀 4">
             <a:extLst>
               <a:ext uri="{FF2B5EF4-FFF2-40B4-BE49-F238E27FC236}">
-                <a16:creationId xmlns:a16="http://schemas.microsoft.com/office/drawing/2014/main" id="{AA7E4E5F-68E8-EA1E-5FA7-C70DB8EAFC0A}"/>
+                <a16:creationId xmlns:a16="http://schemas.microsoft.com/office/drawing/2014/main" xmlns="" id="{AA7E4E5F-68E8-EA1E-5FA7-C70DB8EAFC0A}"/>
               </a:ext>
             </a:extLst>
           </p:cNvPr>
@@ -2673,7 +2674,7 @@
           <a:p>
             <a:fld id="{873FB2EB-4180-4F5C-9F90-FDABADA49251}" type="datetimeFigureOut">
               <a:rPr lang="ko-KR" altLang="en-US" smtClean="0"/>
-              <a:t>2022-11-13</a:t>
+              <a:t>2022-11-15</a:t>
             </a:fld>
             <a:endParaRPr lang="ko-KR" altLang="en-US"/>
           </a:p>
@@ -2684,7 +2685,7 @@
           <p:cNvPr id="6" name="바닥글 개체 틀 5">
             <a:extLst>
               <a:ext uri="{FF2B5EF4-FFF2-40B4-BE49-F238E27FC236}">
-                <a16:creationId xmlns:a16="http://schemas.microsoft.com/office/drawing/2014/main" id="{36C82743-41D1-A893-CA86-656C78670EC0}"/>
+                <a16:creationId xmlns:a16="http://schemas.microsoft.com/office/drawing/2014/main" xmlns="" id="{36C82743-41D1-A893-CA86-656C78670EC0}"/>
               </a:ext>
             </a:extLst>
           </p:cNvPr>
@@ -2709,7 +2710,7 @@
           <p:cNvPr id="7" name="슬라이드 번호 개체 틀 6">
             <a:extLst>
               <a:ext uri="{FF2B5EF4-FFF2-40B4-BE49-F238E27FC236}">
-                <a16:creationId xmlns:a16="http://schemas.microsoft.com/office/drawing/2014/main" id="{D301768D-64ED-4410-3D18-2B1E01735555}"/>
+                <a16:creationId xmlns:a16="http://schemas.microsoft.com/office/drawing/2014/main" xmlns="" id="{D301768D-64ED-4410-3D18-2B1E01735555}"/>
               </a:ext>
             </a:extLst>
           </p:cNvPr>
@@ -2773,7 +2774,7 @@
           <p:cNvPr id="2" name="제목 개체 틀 1">
             <a:extLst>
               <a:ext uri="{FF2B5EF4-FFF2-40B4-BE49-F238E27FC236}">
-                <a16:creationId xmlns:a16="http://schemas.microsoft.com/office/drawing/2014/main" id="{ADAE87DD-8D09-B0A4-FFB9-A8E2570BF45A}"/>
+                <a16:creationId xmlns:a16="http://schemas.microsoft.com/office/drawing/2014/main" xmlns="" id="{ADAE87DD-8D09-B0A4-FFB9-A8E2570BF45A}"/>
               </a:ext>
             </a:extLst>
           </p:cNvPr>
@@ -2811,7 +2812,7 @@
           <p:cNvPr id="3" name="텍스트 개체 틀 2">
             <a:extLst>
               <a:ext uri="{FF2B5EF4-FFF2-40B4-BE49-F238E27FC236}">
-                <a16:creationId xmlns:a16="http://schemas.microsoft.com/office/drawing/2014/main" id="{FA9DBAB3-A33A-E165-62F7-4D9323CD17D3}"/>
+                <a16:creationId xmlns:a16="http://schemas.microsoft.com/office/drawing/2014/main" xmlns="" id="{FA9DBAB3-A33A-E165-62F7-4D9323CD17D3}"/>
               </a:ext>
             </a:extLst>
           </p:cNvPr>
@@ -2878,7 +2879,7 @@
           <p:cNvPr id="4" name="날짜 개체 틀 3">
             <a:extLst>
               <a:ext uri="{FF2B5EF4-FFF2-40B4-BE49-F238E27FC236}">
-                <a16:creationId xmlns:a16="http://schemas.microsoft.com/office/drawing/2014/main" id="{50562455-F1EE-A253-3B4E-7D754D5C30E6}"/>
+                <a16:creationId xmlns:a16="http://schemas.microsoft.com/office/drawing/2014/main" xmlns="" id="{50562455-F1EE-A253-3B4E-7D754D5C30E6}"/>
               </a:ext>
             </a:extLst>
           </p:cNvPr>
@@ -2914,7 +2915,7 @@
           <a:p>
             <a:fld id="{873FB2EB-4180-4F5C-9F90-FDABADA49251}" type="datetimeFigureOut">
               <a:rPr lang="ko-KR" altLang="en-US" smtClean="0"/>
-              <a:t>2022-11-13</a:t>
+              <a:t>2022-11-15</a:t>
             </a:fld>
             <a:endParaRPr lang="ko-KR" altLang="en-US"/>
           </a:p>
@@ -2925,7 +2926,7 @@
           <p:cNvPr id="5" name="바닥글 개체 틀 4">
             <a:extLst>
               <a:ext uri="{FF2B5EF4-FFF2-40B4-BE49-F238E27FC236}">
-                <a16:creationId xmlns:a16="http://schemas.microsoft.com/office/drawing/2014/main" id="{0AA9ABE4-2D9A-3EE1-6407-067E0A3F2E1A}"/>
+                <a16:creationId xmlns:a16="http://schemas.microsoft.com/office/drawing/2014/main" xmlns="" id="{0AA9ABE4-2D9A-3EE1-6407-067E0A3F2E1A}"/>
               </a:ext>
             </a:extLst>
           </p:cNvPr>
@@ -2968,7 +2969,7 @@
           <p:cNvPr id="6" name="슬라이드 번호 개체 틀 5">
             <a:extLst>
               <a:ext uri="{FF2B5EF4-FFF2-40B4-BE49-F238E27FC236}">
-                <a16:creationId xmlns:a16="http://schemas.microsoft.com/office/drawing/2014/main" id="{16C8E8AD-AABF-E21F-9F68-D90B72C2B450}"/>
+                <a16:creationId xmlns:a16="http://schemas.microsoft.com/office/drawing/2014/main" xmlns="" id="{16C8E8AD-AABF-E21F-9F68-D90B72C2B450}"/>
               </a:ext>
             </a:extLst>
           </p:cNvPr>
@@ -3336,7 +3337,7 @@
           <p:cNvPr id="4" name="직사각형 3">
             <a:extLst>
               <a:ext uri="{FF2B5EF4-FFF2-40B4-BE49-F238E27FC236}">
-                <a16:creationId xmlns:a16="http://schemas.microsoft.com/office/drawing/2014/main" id="{6BC1F229-7D27-D319-F886-F19FB5FAAF37}"/>
+                <a16:creationId xmlns:a16="http://schemas.microsoft.com/office/drawing/2014/main" xmlns="" id="{6BC1F229-7D27-D319-F886-F19FB5FAAF37}"/>
               </a:ext>
             </a:extLst>
           </p:cNvPr>
@@ -3385,7 +3386,7 @@
           <p:cNvPr id="5" name="화살표: 오른쪽 4">
             <a:extLst>
               <a:ext uri="{FF2B5EF4-FFF2-40B4-BE49-F238E27FC236}">
-                <a16:creationId xmlns:a16="http://schemas.microsoft.com/office/drawing/2014/main" id="{0BF5D462-342C-74BB-BD99-A1B95C11C3A4}"/>
+                <a16:creationId xmlns:a16="http://schemas.microsoft.com/office/drawing/2014/main" xmlns="" id="{0BF5D462-342C-74BB-BD99-A1B95C11C3A4}"/>
               </a:ext>
             </a:extLst>
           </p:cNvPr>
@@ -3431,7 +3432,7 @@
           <p:cNvPr id="6" name="직사각형 5">
             <a:extLst>
               <a:ext uri="{FF2B5EF4-FFF2-40B4-BE49-F238E27FC236}">
-                <a16:creationId xmlns:a16="http://schemas.microsoft.com/office/drawing/2014/main" id="{B915DA86-1435-5F8D-B2B5-AE86363A3DFA}"/>
+                <a16:creationId xmlns:a16="http://schemas.microsoft.com/office/drawing/2014/main" xmlns="" id="{B915DA86-1435-5F8D-B2B5-AE86363A3DFA}"/>
               </a:ext>
             </a:extLst>
           </p:cNvPr>
@@ -3472,15 +3473,31 @@
               <a:rPr lang="ko-KR" altLang="en-US" dirty="0" err="1"/>
               <a:t>참참참</a:t>
             </a:r>
+            <a:r>
+              <a:rPr lang="en-US" altLang="ko-KR" dirty="0"/>
+              <a:t/>
+            </a:r>
             <a:br>
               <a:rPr lang="en-US" altLang="ko-KR" dirty="0"/>
             </a:br>
+            <a:r>
+              <a:rPr lang="en-US" altLang="ko-KR" dirty="0"/>
+              <a:t/>
+            </a:r>
             <a:br>
               <a:rPr lang="en-US" altLang="ko-KR" dirty="0"/>
             </a:br>
+            <a:r>
+              <a:rPr lang="en-US" altLang="ko-KR" dirty="0"/>
+              <a:t/>
+            </a:r>
             <a:br>
               <a:rPr lang="en-US" altLang="ko-KR" dirty="0"/>
             </a:br>
+            <a:r>
+              <a:rPr lang="en-US" altLang="ko-KR" dirty="0"/>
+              <a:t/>
+            </a:r>
             <a:br>
               <a:rPr lang="en-US" altLang="ko-KR" dirty="0"/>
             </a:br>
@@ -3525,7 +3542,7 @@
           <p:cNvPr id="7" name="화살표: 오른쪽 6">
             <a:extLst>
               <a:ext uri="{FF2B5EF4-FFF2-40B4-BE49-F238E27FC236}">
-                <a16:creationId xmlns:a16="http://schemas.microsoft.com/office/drawing/2014/main" id="{26D4EB04-87D2-B1AC-BAD6-6D93E8E5A753}"/>
+                <a16:creationId xmlns:a16="http://schemas.microsoft.com/office/drawing/2014/main" xmlns="" id="{26D4EB04-87D2-B1AC-BAD6-6D93E8E5A753}"/>
               </a:ext>
             </a:extLst>
           </p:cNvPr>
@@ -3571,7 +3588,7 @@
           <p:cNvPr id="8" name="직사각형 7">
             <a:extLst>
               <a:ext uri="{FF2B5EF4-FFF2-40B4-BE49-F238E27FC236}">
-                <a16:creationId xmlns:a16="http://schemas.microsoft.com/office/drawing/2014/main" id="{2098E06B-F6F9-4E9B-17C8-8775846EE673}"/>
+                <a16:creationId xmlns:a16="http://schemas.microsoft.com/office/drawing/2014/main" xmlns="" id="{2098E06B-F6F9-4E9B-17C8-8775846EE673}"/>
               </a:ext>
             </a:extLst>
           </p:cNvPr>
@@ -3612,12 +3629,24 @@
               <a:rPr lang="ko-KR" altLang="en-US" dirty="0" err="1"/>
               <a:t>참참참</a:t>
             </a:r>
+            <a:r>
+              <a:rPr lang="en-US" altLang="ko-KR" dirty="0"/>
+              <a:t/>
+            </a:r>
             <a:br>
               <a:rPr lang="en-US" altLang="ko-KR" dirty="0"/>
             </a:br>
+            <a:r>
+              <a:rPr lang="en-US" altLang="ko-KR" dirty="0"/>
+              <a:t/>
+            </a:r>
             <a:br>
               <a:rPr lang="en-US" altLang="ko-KR" dirty="0"/>
             </a:br>
+            <a:r>
+              <a:rPr lang="en-US" altLang="ko-KR" dirty="0"/>
+              <a:t/>
+            </a:r>
             <a:br>
               <a:rPr lang="en-US" altLang="ko-KR" dirty="0"/>
             </a:br>
@@ -3632,6 +3661,10 @@
             <a:r>
               <a:rPr lang="ko-KR" altLang="en-US" dirty="0"/>
               <a:t>랭킹</a:t>
+            </a:r>
+            <a:r>
+              <a:rPr lang="en-US" altLang="ko-KR" dirty="0"/>
+              <a:t/>
             </a:r>
             <a:br>
               <a:rPr lang="en-US" altLang="ko-KR" dirty="0"/>
@@ -3645,7 +3678,7 @@
           <p:cNvPr id="9" name="TextBox 8">
             <a:extLst>
               <a:ext uri="{FF2B5EF4-FFF2-40B4-BE49-F238E27FC236}">
-                <a16:creationId xmlns:a16="http://schemas.microsoft.com/office/drawing/2014/main" id="{9009D841-5BFF-9AF0-5B16-44716FC63476}"/>
+                <a16:creationId xmlns:a16="http://schemas.microsoft.com/office/drawing/2014/main" xmlns="" id="{9009D841-5BFF-9AF0-5B16-44716FC63476}"/>
               </a:ext>
             </a:extLst>
           </p:cNvPr>
@@ -3684,6 +3717,14 @@
               </a:rPr>
               <a:t>문제점</a:t>
             </a:r>
+            <a:r>
+              <a:rPr lang="en-US" altLang="ko-KR" dirty="0">
+                <a:solidFill>
+                  <a:srgbClr val="FF0000"/>
+                </a:solidFill>
+              </a:rPr>
+              <a:t/>
+            </a:r>
             <a:br>
               <a:rPr lang="en-US" altLang="ko-KR" dirty="0">
                 <a:solidFill>
@@ -3760,7 +3801,7 @@
           <p:cNvPr id="10" name="화살표: 오른쪽 9">
             <a:extLst>
               <a:ext uri="{FF2B5EF4-FFF2-40B4-BE49-F238E27FC236}">
-                <a16:creationId xmlns:a16="http://schemas.microsoft.com/office/drawing/2014/main" id="{06E56221-7C47-4EE1-E25E-A11F4E56B62E}"/>
+                <a16:creationId xmlns:a16="http://schemas.microsoft.com/office/drawing/2014/main" xmlns="" id="{06E56221-7C47-4EE1-E25E-A11F4E56B62E}"/>
               </a:ext>
             </a:extLst>
           </p:cNvPr>
@@ -3814,7 +3855,7 @@
           <p:cNvPr id="11" name="TextBox 10">
             <a:extLst>
               <a:ext uri="{FF2B5EF4-FFF2-40B4-BE49-F238E27FC236}">
-                <a16:creationId xmlns:a16="http://schemas.microsoft.com/office/drawing/2014/main" id="{839BB7C5-5606-700E-CF0F-54F714ED900D}"/>
+                <a16:creationId xmlns:a16="http://schemas.microsoft.com/office/drawing/2014/main" xmlns="" id="{839BB7C5-5606-700E-CF0F-54F714ED900D}"/>
               </a:ext>
             </a:extLst>
           </p:cNvPr>
@@ -3892,7 +3933,7 @@
           <p:cNvPr id="4" name="직사각형 3">
             <a:extLst>
               <a:ext uri="{FF2B5EF4-FFF2-40B4-BE49-F238E27FC236}">
-                <a16:creationId xmlns:a16="http://schemas.microsoft.com/office/drawing/2014/main" id="{6BC1F229-7D27-D319-F886-F19FB5FAAF37}"/>
+                <a16:creationId xmlns:a16="http://schemas.microsoft.com/office/drawing/2014/main" xmlns="" id="{6BC1F229-7D27-D319-F886-F19FB5FAAF37}"/>
               </a:ext>
             </a:extLst>
           </p:cNvPr>
@@ -3941,7 +3982,7 @@
           <p:cNvPr id="5" name="화살표: 오른쪽 4">
             <a:extLst>
               <a:ext uri="{FF2B5EF4-FFF2-40B4-BE49-F238E27FC236}">
-                <a16:creationId xmlns:a16="http://schemas.microsoft.com/office/drawing/2014/main" id="{0BF5D462-342C-74BB-BD99-A1B95C11C3A4}"/>
+                <a16:creationId xmlns:a16="http://schemas.microsoft.com/office/drawing/2014/main" xmlns="" id="{0BF5D462-342C-74BB-BD99-A1B95C11C3A4}"/>
               </a:ext>
             </a:extLst>
           </p:cNvPr>
@@ -3987,7 +4028,7 @@
           <p:cNvPr id="6" name="직사각형 5">
             <a:extLst>
               <a:ext uri="{FF2B5EF4-FFF2-40B4-BE49-F238E27FC236}">
-                <a16:creationId xmlns:a16="http://schemas.microsoft.com/office/drawing/2014/main" id="{B915DA86-1435-5F8D-B2B5-AE86363A3DFA}"/>
+                <a16:creationId xmlns:a16="http://schemas.microsoft.com/office/drawing/2014/main" xmlns="" id="{B915DA86-1435-5F8D-B2B5-AE86363A3DFA}"/>
               </a:ext>
             </a:extLst>
           </p:cNvPr>
@@ -4028,12 +4069,24 @@
               <a:rPr lang="ko-KR" altLang="en-US" dirty="0" err="1"/>
               <a:t>참참참</a:t>
             </a:r>
+            <a:r>
+              <a:rPr lang="en-US" altLang="ko-KR" dirty="0"/>
+              <a:t/>
+            </a:r>
             <a:br>
               <a:rPr lang="en-US" altLang="ko-KR" dirty="0"/>
             </a:br>
+            <a:r>
+              <a:rPr lang="en-US" altLang="ko-KR" dirty="0"/>
+              <a:t/>
+            </a:r>
             <a:br>
               <a:rPr lang="en-US" altLang="ko-KR" dirty="0"/>
             </a:br>
+            <a:r>
+              <a:rPr lang="en-US" altLang="ko-KR" dirty="0"/>
+              <a:t/>
+            </a:r>
             <a:br>
               <a:rPr lang="en-US" altLang="ko-KR" dirty="0"/>
             </a:br>
@@ -4069,7 +4122,7 @@
           <p:cNvPr id="8" name="직사각형 7">
             <a:extLst>
               <a:ext uri="{FF2B5EF4-FFF2-40B4-BE49-F238E27FC236}">
-                <a16:creationId xmlns:a16="http://schemas.microsoft.com/office/drawing/2014/main" id="{2098E06B-F6F9-4E9B-17C8-8775846EE673}"/>
+                <a16:creationId xmlns:a16="http://schemas.microsoft.com/office/drawing/2014/main" xmlns="" id="{2098E06B-F6F9-4E9B-17C8-8775846EE673}"/>
               </a:ext>
             </a:extLst>
           </p:cNvPr>
@@ -4110,12 +4163,24 @@
               <a:rPr lang="ko-KR" altLang="en-US" dirty="0" err="1"/>
               <a:t>참참참</a:t>
             </a:r>
+            <a:r>
+              <a:rPr lang="en-US" altLang="ko-KR" dirty="0"/>
+              <a:t/>
+            </a:r>
             <a:br>
               <a:rPr lang="en-US" altLang="ko-KR" dirty="0"/>
             </a:br>
+            <a:r>
+              <a:rPr lang="en-US" altLang="ko-KR" dirty="0"/>
+              <a:t/>
+            </a:r>
             <a:br>
               <a:rPr lang="en-US" altLang="ko-KR" dirty="0"/>
             </a:br>
+            <a:r>
+              <a:rPr lang="en-US" altLang="ko-KR" dirty="0"/>
+              <a:t/>
+            </a:r>
             <a:br>
               <a:rPr lang="en-US" altLang="ko-KR" dirty="0"/>
             </a:br>
@@ -4130,6 +4195,10 @@
             <a:r>
               <a:rPr lang="ko-KR" altLang="en-US" dirty="0"/>
               <a:t>랭킹</a:t>
+            </a:r>
+            <a:r>
+              <a:rPr lang="en-US" altLang="ko-KR" dirty="0"/>
+              <a:t/>
             </a:r>
             <a:br>
               <a:rPr lang="en-US" altLang="ko-KR" dirty="0"/>
@@ -4143,7 +4212,7 @@
           <p:cNvPr id="9" name="TextBox 8">
             <a:extLst>
               <a:ext uri="{FF2B5EF4-FFF2-40B4-BE49-F238E27FC236}">
-                <a16:creationId xmlns:a16="http://schemas.microsoft.com/office/drawing/2014/main" id="{9009D841-5BFF-9AF0-5B16-44716FC63476}"/>
+                <a16:creationId xmlns:a16="http://schemas.microsoft.com/office/drawing/2014/main" xmlns="" id="{9009D841-5BFF-9AF0-5B16-44716FC63476}"/>
               </a:ext>
             </a:extLst>
           </p:cNvPr>
@@ -4194,7 +4263,7 @@
           <p:cNvPr id="10" name="화살표: 오른쪽 9">
             <a:extLst>
               <a:ext uri="{FF2B5EF4-FFF2-40B4-BE49-F238E27FC236}">
-                <a16:creationId xmlns:a16="http://schemas.microsoft.com/office/drawing/2014/main" id="{06E56221-7C47-4EE1-E25E-A11F4E56B62E}"/>
+                <a16:creationId xmlns:a16="http://schemas.microsoft.com/office/drawing/2014/main" xmlns="" id="{06E56221-7C47-4EE1-E25E-A11F4E56B62E}"/>
               </a:ext>
             </a:extLst>
           </p:cNvPr>
@@ -4239,7 +4308,7 @@
           <p:cNvPr id="11" name="TextBox 10">
             <a:extLst>
               <a:ext uri="{FF2B5EF4-FFF2-40B4-BE49-F238E27FC236}">
-                <a16:creationId xmlns:a16="http://schemas.microsoft.com/office/drawing/2014/main" id="{839BB7C5-5606-700E-CF0F-54F714ED900D}"/>
+                <a16:creationId xmlns:a16="http://schemas.microsoft.com/office/drawing/2014/main" xmlns="" id="{839BB7C5-5606-700E-CF0F-54F714ED900D}"/>
               </a:ext>
             </a:extLst>
           </p:cNvPr>
@@ -4294,7 +4363,7 @@
           <p:cNvPr id="2" name="TextBox 1">
             <a:extLst>
               <a:ext uri="{FF2B5EF4-FFF2-40B4-BE49-F238E27FC236}">
-                <a16:creationId xmlns:a16="http://schemas.microsoft.com/office/drawing/2014/main" id="{3BA351AF-F1CC-4FB5-8C21-E89E87E83361}"/>
+                <a16:creationId xmlns:a16="http://schemas.microsoft.com/office/drawing/2014/main" xmlns="" id="{3BA351AF-F1CC-4FB5-8C21-E89E87E83361}"/>
               </a:ext>
             </a:extLst>
           </p:cNvPr>
@@ -4342,7 +4411,7 @@
           <p:cNvPr id="3" name="TextBox 2">
             <a:extLst>
               <a:ext uri="{FF2B5EF4-FFF2-40B4-BE49-F238E27FC236}">
-                <a16:creationId xmlns:a16="http://schemas.microsoft.com/office/drawing/2014/main" id="{15546CFB-E96D-518B-A33B-4148E8F0F5A9}"/>
+                <a16:creationId xmlns:a16="http://schemas.microsoft.com/office/drawing/2014/main" xmlns="" id="{15546CFB-E96D-518B-A33B-4148E8F0F5A9}"/>
               </a:ext>
             </a:extLst>
           </p:cNvPr>
@@ -4413,7 +4482,7 @@
           <p:cNvPr id="15" name="직사각형 14">
             <a:extLst>
               <a:ext uri="{FF2B5EF4-FFF2-40B4-BE49-F238E27FC236}">
-                <a16:creationId xmlns:a16="http://schemas.microsoft.com/office/drawing/2014/main" id="{871681F1-8CCF-43BB-CBBD-CC5CDF810B52}"/>
+                <a16:creationId xmlns:a16="http://schemas.microsoft.com/office/drawing/2014/main" xmlns="" id="{871681F1-8CCF-43BB-CBBD-CC5CDF810B52}"/>
               </a:ext>
             </a:extLst>
           </p:cNvPr>
@@ -4467,7 +4536,7 @@
           <p:cNvPr id="16" name="직사각형 15">
             <a:extLst>
               <a:ext uri="{FF2B5EF4-FFF2-40B4-BE49-F238E27FC236}">
-                <a16:creationId xmlns:a16="http://schemas.microsoft.com/office/drawing/2014/main" id="{E5F0A164-55BB-E708-A08C-E4D88A620C74}"/>
+                <a16:creationId xmlns:a16="http://schemas.microsoft.com/office/drawing/2014/main" xmlns="" id="{E5F0A164-55BB-E708-A08C-E4D88A620C74}"/>
               </a:ext>
             </a:extLst>
           </p:cNvPr>
@@ -4521,7 +4590,7 @@
           <p:cNvPr id="17" name="직사각형 16">
             <a:extLst>
               <a:ext uri="{FF2B5EF4-FFF2-40B4-BE49-F238E27FC236}">
-                <a16:creationId xmlns:a16="http://schemas.microsoft.com/office/drawing/2014/main" id="{EFAF38A9-1116-E63F-9C23-DBA6BFC6144D}"/>
+                <a16:creationId xmlns:a16="http://schemas.microsoft.com/office/drawing/2014/main" xmlns="" id="{EFAF38A9-1116-E63F-9C23-DBA6BFC6144D}"/>
               </a:ext>
             </a:extLst>
           </p:cNvPr>
@@ -4575,7 +4644,7 @@
           <p:cNvPr id="12" name="화살표: 오른쪽 11">
             <a:extLst>
               <a:ext uri="{FF2B5EF4-FFF2-40B4-BE49-F238E27FC236}">
-                <a16:creationId xmlns:a16="http://schemas.microsoft.com/office/drawing/2014/main" id="{0F718040-B6CB-B885-25E4-5D95F326BDCA}"/>
+                <a16:creationId xmlns:a16="http://schemas.microsoft.com/office/drawing/2014/main" xmlns="" id="{0F718040-B6CB-B885-25E4-5D95F326BDCA}"/>
               </a:ext>
             </a:extLst>
           </p:cNvPr>
@@ -4650,7 +4719,7 @@
           <p:cNvPr id="3" name="그림 2">
             <a:extLst>
               <a:ext uri="{FF2B5EF4-FFF2-40B4-BE49-F238E27FC236}">
-                <a16:creationId xmlns:a16="http://schemas.microsoft.com/office/drawing/2014/main" id="{7A1150C7-2DC0-585E-A293-E6CA42207699}"/>
+                <a16:creationId xmlns:a16="http://schemas.microsoft.com/office/drawing/2014/main" xmlns="" id="{7A1150C7-2DC0-585E-A293-E6CA42207699}"/>
               </a:ext>
             </a:extLst>
           </p:cNvPr>
@@ -4685,7 +4754,7 @@
           <p:cNvPr id="5" name="그림 4">
             <a:extLst>
               <a:ext uri="{FF2B5EF4-FFF2-40B4-BE49-F238E27FC236}">
-                <a16:creationId xmlns:a16="http://schemas.microsoft.com/office/drawing/2014/main" id="{838D6E92-C209-2FE1-BFB7-BF13E188F224}"/>
+                <a16:creationId xmlns:a16="http://schemas.microsoft.com/office/drawing/2014/main" xmlns="" id="{838D6E92-C209-2FE1-BFB7-BF13E188F224}"/>
               </a:ext>
             </a:extLst>
           </p:cNvPr>
@@ -4753,7 +4822,7 @@
           <p:cNvPr id="7" name="그림 6">
             <a:extLst>
               <a:ext uri="{FF2B5EF4-FFF2-40B4-BE49-F238E27FC236}">
-                <a16:creationId xmlns:a16="http://schemas.microsoft.com/office/drawing/2014/main" id="{28B50A1F-45BC-B7D3-638B-2A2EC7DCB41B}"/>
+                <a16:creationId xmlns:a16="http://schemas.microsoft.com/office/drawing/2014/main" xmlns="" id="{28B50A1F-45BC-B7D3-638B-2A2EC7DCB41B}"/>
               </a:ext>
             </a:extLst>
           </p:cNvPr>
@@ -4851,7 +4920,7 @@
           <p:cNvPr id="5" name="그룹 4">
             <a:extLst>
               <a:ext uri="{FF2B5EF4-FFF2-40B4-BE49-F238E27FC236}">
-                <a16:creationId xmlns:a16="http://schemas.microsoft.com/office/drawing/2014/main" id="{3D860E9C-361F-522D-7237-E896DC7EFFF2}"/>
+                <a16:creationId xmlns:a16="http://schemas.microsoft.com/office/drawing/2014/main" xmlns="" id="{3D860E9C-361F-522D-7237-E896DC7EFFF2}"/>
               </a:ext>
             </a:extLst>
           </p:cNvPr>
@@ -4871,7 +4940,7 @@
             <p:cNvPr id="2" name="그림 1">
               <a:extLst>
                 <a:ext uri="{FF2B5EF4-FFF2-40B4-BE49-F238E27FC236}">
-                  <a16:creationId xmlns:a16="http://schemas.microsoft.com/office/drawing/2014/main" id="{8F9F7631-857B-C7A7-5A3E-A25E419659B3}"/>
+                  <a16:creationId xmlns:a16="http://schemas.microsoft.com/office/drawing/2014/main" xmlns="" id="{8F9F7631-857B-C7A7-5A3E-A25E419659B3}"/>
                 </a:ext>
               </a:extLst>
             </p:cNvPr>
@@ -4931,7 +5000,7 @@
             <p:cNvPr id="3" name="그림 2">
               <a:extLst>
                 <a:ext uri="{FF2B5EF4-FFF2-40B4-BE49-F238E27FC236}">
-                  <a16:creationId xmlns:a16="http://schemas.microsoft.com/office/drawing/2014/main" id="{6F147316-9305-5AE0-86A2-213310977BD4}"/>
+                  <a16:creationId xmlns:a16="http://schemas.microsoft.com/office/drawing/2014/main" xmlns="" id="{6F147316-9305-5AE0-86A2-213310977BD4}"/>
                 </a:ext>
               </a:extLst>
             </p:cNvPr>
@@ -4999,7 +5068,7 @@
             <p:cNvPr id="4" name="그림 3">
               <a:extLst>
                 <a:ext uri="{FF2B5EF4-FFF2-40B4-BE49-F238E27FC236}">
-                  <a16:creationId xmlns:a16="http://schemas.microsoft.com/office/drawing/2014/main" id="{1C8A85DE-7869-CC73-9B12-A970A6F85C87}"/>
+                  <a16:creationId xmlns:a16="http://schemas.microsoft.com/office/drawing/2014/main" xmlns="" id="{1C8A85DE-7869-CC73-9B12-A970A6F85C87}"/>
                 </a:ext>
               </a:extLst>
             </p:cNvPr>
@@ -5093,12 +5162,366 @@
           <a:chExt cx="0" cy="0"/>
         </a:xfrm>
       </p:grpSpPr>
+      <p:grpSp>
+        <p:nvGrpSpPr>
+          <p:cNvPr id="8" name="그룹 7"/>
+          <p:cNvGrpSpPr/>
+          <p:nvPr/>
+        </p:nvGrpSpPr>
+        <p:grpSpPr>
+          <a:xfrm>
+            <a:off x="3471044" y="665925"/>
+            <a:ext cx="4356537" cy="5056958"/>
+            <a:chOff x="4227788" y="751666"/>
+            <a:chExt cx="4356537" cy="5056958"/>
+          </a:xfrm>
+        </p:grpSpPr>
+        <p:pic>
+          <p:nvPicPr>
+            <p:cNvPr id="9" name="그림 8">
+              <a:extLst>
+                <a:ext uri="{FF2B5EF4-FFF2-40B4-BE49-F238E27FC236}">
+                  <a16:creationId xmlns:a16="http://schemas.microsoft.com/office/drawing/2014/main" xmlns="" id="{C3979681-F648-980D-00CA-30DBBB9A90CB}"/>
+                </a:ext>
+              </a:extLst>
+            </p:cNvPr>
+            <p:cNvPicPr>
+              <a:picLocks noChangeAspect="1"/>
+            </p:cNvPicPr>
+            <p:nvPr/>
+          </p:nvPicPr>
+          <p:blipFill rotWithShape="1">
+            <a:blip r:embed="rId2" cstate="print">
+              <a:extLst>
+                <a:ext uri="{28A0092B-C50C-407E-A947-70E740481C1C}">
+                  <a14:useLocalDpi xmlns:a14="http://schemas.microsoft.com/office/drawing/2010/main" val="0"/>
+                </a:ext>
+              </a:extLst>
+            </a:blip>
+            <a:srcRect l="34097" r="33796"/>
+            <a:stretch/>
+          </p:blipFill>
+          <p:spPr>
+            <a:xfrm>
+              <a:off x="4445876" y="751666"/>
+              <a:ext cx="3846786" cy="5056958"/>
+            </a:xfrm>
+            <a:prstGeom prst="rect">
+              <a:avLst/>
+            </a:prstGeom>
+          </p:spPr>
+        </p:pic>
+        <p:sp>
+          <p:nvSpPr>
+            <p:cNvPr id="2" name="눈물 방울 1"/>
+            <p:cNvSpPr/>
+            <p:nvPr/>
+          </p:nvSpPr>
+          <p:spPr>
+            <a:xfrm rot="18785115">
+              <a:off x="7338848" y="4091152"/>
+              <a:ext cx="559676" cy="559676"/>
+            </a:xfrm>
+            <a:prstGeom prst="teardrop">
+              <a:avLst>
+                <a:gd name="adj" fmla="val 159155"/>
+              </a:avLst>
+            </a:prstGeom>
+            <a:solidFill>
+              <a:schemeClr val="accent1">
+                <a:lumMod val="60000"/>
+                <a:lumOff val="40000"/>
+              </a:schemeClr>
+            </a:solidFill>
+            <a:ln>
+              <a:solidFill>
+                <a:srgbClr val="4285F4"/>
+              </a:solidFill>
+            </a:ln>
+          </p:spPr>
+          <p:style>
+            <a:lnRef idx="2">
+              <a:schemeClr val="accent1">
+                <a:shade val="50000"/>
+              </a:schemeClr>
+            </a:lnRef>
+            <a:fillRef idx="1">
+              <a:schemeClr val="accent1"/>
+            </a:fillRef>
+            <a:effectRef idx="0">
+              <a:schemeClr val="accent1"/>
+            </a:effectRef>
+            <a:fontRef idx="minor">
+              <a:schemeClr val="lt1"/>
+            </a:fontRef>
+          </p:style>
+          <p:txBody>
+            <a:bodyPr rtlCol="0" anchor="ctr"/>
+            <a:lstStyle/>
+            <a:p>
+              <a:pPr algn="ctr"/>
+              <a:endParaRPr lang="ko-KR" altLang="en-US"/>
+            </a:p>
+          </p:txBody>
+        </p:sp>
+        <p:sp>
+          <p:nvSpPr>
+            <p:cNvPr id="3" name="막힌 원호 2"/>
+            <p:cNvSpPr/>
+            <p:nvPr/>
+          </p:nvSpPr>
+          <p:spPr>
+            <a:xfrm rot="11618629">
+              <a:off x="6960477" y="2095869"/>
+              <a:ext cx="1623848" cy="1150883"/>
+            </a:xfrm>
+            <a:prstGeom prst="blockArc">
+              <a:avLst>
+                <a:gd name="adj1" fmla="val 12868331"/>
+                <a:gd name="adj2" fmla="val 21396879"/>
+                <a:gd name="adj3" fmla="val 17910"/>
+              </a:avLst>
+            </a:prstGeom>
+            <a:solidFill>
+              <a:srgbClr val="4285F4"/>
+            </a:solidFill>
+            <a:ln>
+              <a:solidFill>
+                <a:srgbClr val="4285F4"/>
+              </a:solidFill>
+            </a:ln>
+          </p:spPr>
+          <p:style>
+            <a:lnRef idx="2">
+              <a:schemeClr val="accent1">
+                <a:shade val="50000"/>
+              </a:schemeClr>
+            </a:lnRef>
+            <a:fillRef idx="1">
+              <a:schemeClr val="accent1"/>
+            </a:fillRef>
+            <a:effectRef idx="0">
+              <a:schemeClr val="accent1"/>
+            </a:effectRef>
+            <a:fontRef idx="minor">
+              <a:schemeClr val="lt1"/>
+            </a:fontRef>
+          </p:style>
+          <p:txBody>
+            <a:bodyPr rtlCol="0" anchor="ctr"/>
+            <a:lstStyle/>
+            <a:p>
+              <a:pPr algn="ctr"/>
+              <a:endParaRPr lang="ko-KR" altLang="en-US">
+                <a:solidFill>
+                  <a:schemeClr val="tx1"/>
+                </a:solidFill>
+              </a:endParaRPr>
+            </a:p>
+          </p:txBody>
+        </p:sp>
+        <p:sp>
+          <p:nvSpPr>
+            <p:cNvPr id="5" name="막힌 원호 4"/>
+            <p:cNvSpPr/>
+            <p:nvPr/>
+          </p:nvSpPr>
+          <p:spPr>
+            <a:xfrm rot="9981371" flipH="1">
+              <a:off x="4227788" y="2056326"/>
+              <a:ext cx="1623848" cy="1150883"/>
+            </a:xfrm>
+            <a:prstGeom prst="blockArc">
+              <a:avLst>
+                <a:gd name="adj1" fmla="val 12868331"/>
+                <a:gd name="adj2" fmla="val 21396879"/>
+                <a:gd name="adj3" fmla="val 17910"/>
+              </a:avLst>
+            </a:prstGeom>
+            <a:solidFill>
+              <a:srgbClr val="4285F4"/>
+            </a:solidFill>
+            <a:ln>
+              <a:solidFill>
+                <a:srgbClr val="4285F4"/>
+              </a:solidFill>
+            </a:ln>
+          </p:spPr>
+          <p:style>
+            <a:lnRef idx="2">
+              <a:schemeClr val="accent1">
+                <a:shade val="50000"/>
+              </a:schemeClr>
+            </a:lnRef>
+            <a:fillRef idx="1">
+              <a:schemeClr val="accent1"/>
+            </a:fillRef>
+            <a:effectRef idx="0">
+              <a:schemeClr val="accent1"/>
+            </a:effectRef>
+            <a:fontRef idx="minor">
+              <a:schemeClr val="lt1"/>
+            </a:fontRef>
+          </p:style>
+          <p:txBody>
+            <a:bodyPr rtlCol="0" anchor="ctr"/>
+            <a:lstStyle/>
+            <a:p>
+              <a:pPr algn="ctr"/>
+              <a:endParaRPr lang="ko-KR" altLang="en-US">
+                <a:solidFill>
+                  <a:schemeClr val="tx1"/>
+                </a:solidFill>
+              </a:endParaRPr>
+            </a:p>
+          </p:txBody>
+        </p:sp>
+        <p:sp>
+          <p:nvSpPr>
+            <p:cNvPr id="6" name="눈물 방울 5"/>
+            <p:cNvSpPr/>
+            <p:nvPr/>
+          </p:nvSpPr>
+          <p:spPr>
+            <a:xfrm rot="18785115">
+              <a:off x="4842641" y="4091152"/>
+              <a:ext cx="559676" cy="559676"/>
+            </a:xfrm>
+            <a:prstGeom prst="teardrop">
+              <a:avLst>
+                <a:gd name="adj" fmla="val 159155"/>
+              </a:avLst>
+            </a:prstGeom>
+            <a:solidFill>
+              <a:schemeClr val="accent1">
+                <a:lumMod val="60000"/>
+                <a:lumOff val="40000"/>
+              </a:schemeClr>
+            </a:solidFill>
+            <a:ln>
+              <a:solidFill>
+                <a:srgbClr val="4285F4"/>
+              </a:solidFill>
+            </a:ln>
+          </p:spPr>
+          <p:style>
+            <a:lnRef idx="2">
+              <a:schemeClr val="accent1">
+                <a:shade val="50000"/>
+              </a:schemeClr>
+            </a:lnRef>
+            <a:fillRef idx="1">
+              <a:schemeClr val="accent1"/>
+            </a:fillRef>
+            <a:effectRef idx="0">
+              <a:schemeClr val="accent1"/>
+            </a:effectRef>
+            <a:fontRef idx="minor">
+              <a:schemeClr val="lt1"/>
+            </a:fontRef>
+          </p:style>
+          <p:txBody>
+            <a:bodyPr rtlCol="0" anchor="ctr"/>
+            <a:lstStyle/>
+            <a:p>
+              <a:pPr algn="ctr"/>
+              <a:endParaRPr lang="ko-KR" altLang="en-US"/>
+            </a:p>
+          </p:txBody>
+        </p:sp>
+        <p:sp>
+          <p:nvSpPr>
+            <p:cNvPr id="7" name="막힌 원호 6"/>
+            <p:cNvSpPr/>
+            <p:nvPr/>
+          </p:nvSpPr>
+          <p:spPr>
+            <a:xfrm rot="21319153">
+              <a:off x="5756777" y="4753050"/>
+              <a:ext cx="1327241" cy="814847"/>
+            </a:xfrm>
+            <a:prstGeom prst="blockArc">
+              <a:avLst>
+                <a:gd name="adj1" fmla="val 10943464"/>
+                <a:gd name="adj2" fmla="val 20828"/>
+                <a:gd name="adj3" fmla="val 18279"/>
+              </a:avLst>
+            </a:prstGeom>
+            <a:solidFill>
+              <a:srgbClr val="4285F4"/>
+            </a:solidFill>
+            <a:ln>
+              <a:solidFill>
+                <a:srgbClr val="4285F4"/>
+              </a:solidFill>
+            </a:ln>
+          </p:spPr>
+          <p:style>
+            <a:lnRef idx="2">
+              <a:schemeClr val="accent1">
+                <a:shade val="50000"/>
+              </a:schemeClr>
+            </a:lnRef>
+            <a:fillRef idx="1">
+              <a:schemeClr val="accent1"/>
+            </a:fillRef>
+            <a:effectRef idx="0">
+              <a:schemeClr val="accent1"/>
+            </a:effectRef>
+            <a:fontRef idx="minor">
+              <a:schemeClr val="lt1"/>
+            </a:fontRef>
+          </p:style>
+          <p:txBody>
+            <a:bodyPr rtlCol="0" anchor="ctr"/>
+            <a:lstStyle/>
+            <a:p>
+              <a:pPr algn="ctr"/>
+              <a:endParaRPr lang="ko-KR" altLang="en-US">
+                <a:solidFill>
+                  <a:schemeClr val="tx1"/>
+                </a:solidFill>
+              </a:endParaRPr>
+            </a:p>
+          </p:txBody>
+        </p:sp>
+      </p:grpSp>
+    </p:spTree>
+    <p:extLst>
+      <p:ext uri="{BB962C8B-B14F-4D97-AF65-F5344CB8AC3E}">
+        <p14:creationId xmlns:p14="http://schemas.microsoft.com/office/powerpoint/2010/main" val="329115443"/>
+      </p:ext>
+    </p:extLst>
+  </p:cSld>
+  <p:clrMapOvr>
+    <a:masterClrMapping/>
+  </p:clrMapOvr>
+</p:sld>
+</file>
+
+<file path=ppt/slides/slide6.xml><?xml version="1.0" encoding="utf-8"?>
+<p:sld xmlns:a="http://schemas.openxmlformats.org/drawingml/2006/main" xmlns:r="http://schemas.openxmlformats.org/officeDocument/2006/relationships" xmlns:p="http://schemas.openxmlformats.org/presentationml/2006/main">
+  <p:cSld>
+    <p:spTree>
+      <p:nvGrpSpPr>
+        <p:cNvPr id="1" name=""/>
+        <p:cNvGrpSpPr/>
+        <p:nvPr/>
+      </p:nvGrpSpPr>
+      <p:grpSpPr>
+        <a:xfrm>
+          <a:off x="0" y="0"/>
+          <a:ext cx="0" cy="0"/>
+          <a:chOff x="0" y="0"/>
+          <a:chExt cx="0" cy="0"/>
+        </a:xfrm>
+      </p:grpSpPr>
       <p:pic>
         <p:nvPicPr>
-          <p:cNvPr id="9" name="그림 8">
-            <a:extLst>
-              <a:ext uri="{FF2B5EF4-FFF2-40B4-BE49-F238E27FC236}">
-                <a16:creationId xmlns:a16="http://schemas.microsoft.com/office/drawing/2014/main" id="{C3979681-F648-980D-00CA-30DBBB9A90CB}"/>
+          <p:cNvPr id="2" name="그림 1">
+            <a:extLst>
+              <a:ext uri="{FF2B5EF4-FFF2-40B4-BE49-F238E27FC236}">
+                <a16:creationId xmlns:a16="http://schemas.microsoft.com/office/drawing/2014/main" xmlns="" id="{C3979681-F648-980D-00CA-30DBBB9A90CB}"/>
               </a:ext>
             </a:extLst>
           </p:cNvPr>
@@ -5108,7 +5531,7 @@
           <p:nvPr/>
         </p:nvPicPr>
         <p:blipFill>
-          <a:blip r:embed="rId2">
+          <a:blip r:embed="rId2" cstate="print">
             <a:extLst>
               <a:ext uri="{28A0092B-C50C-407E-A947-70E740481C1C}">
                 <a14:useLocalDpi xmlns:a14="http://schemas.microsoft.com/office/drawing/2010/main" val="0"/>
@@ -5132,7 +5555,7 @@
     </p:spTree>
     <p:extLst>
       <p:ext uri="{BB962C8B-B14F-4D97-AF65-F5344CB8AC3E}">
-        <p14:creationId xmlns:p14="http://schemas.microsoft.com/office/powerpoint/2010/main" val="329115443"/>
+        <p14:creationId xmlns:p14="http://schemas.microsoft.com/office/powerpoint/2010/main" val="1549145025"/>
       </p:ext>
     </p:extLst>
   </p:cSld>
@@ -5142,7 +5565,7 @@
 </p:sld>
 </file>
 
-<file path=ppt/slides/slide6.xml><?xml version="1.0" encoding="utf-8"?>
+<file path=ppt/slides/slide7.xml><?xml version="1.0" encoding="utf-8"?>
 <p:sld xmlns:a="http://schemas.openxmlformats.org/drawingml/2006/main" xmlns:r="http://schemas.openxmlformats.org/officeDocument/2006/relationships" xmlns:p="http://schemas.openxmlformats.org/presentationml/2006/main">
   <p:cSld>
     <p:bg>
@@ -5174,7 +5597,7 @@
           <p:cNvPr id="2" name="TextBox 1">
             <a:extLst>
               <a:ext uri="{FF2B5EF4-FFF2-40B4-BE49-F238E27FC236}">
-                <a16:creationId xmlns:a16="http://schemas.microsoft.com/office/drawing/2014/main" id="{DAF62BF2-6A38-4C33-910B-EACADF1CEB03}"/>
+                <a16:creationId xmlns:a16="http://schemas.microsoft.com/office/drawing/2014/main" xmlns="" id="{DAF62BF2-6A38-4C33-910B-EACADF1CEB03}"/>
               </a:ext>
             </a:extLst>
           </p:cNvPr>
@@ -5253,7 +5676,7 @@
           <p:cNvPr id="3" name="TextBox 2">
             <a:extLst>
               <a:ext uri="{FF2B5EF4-FFF2-40B4-BE49-F238E27FC236}">
-                <a16:creationId xmlns:a16="http://schemas.microsoft.com/office/drawing/2014/main" id="{28335F55-A30E-2D5C-303F-D6D1A773FAD6}"/>
+                <a16:creationId xmlns:a16="http://schemas.microsoft.com/office/drawing/2014/main" xmlns="" id="{28335F55-A30E-2D5C-303F-D6D1A773FAD6}"/>
               </a:ext>
             </a:extLst>
           </p:cNvPr>
@@ -5332,7 +5755,7 @@
           <p:cNvPr id="4" name="TextBox 3">
             <a:extLst>
               <a:ext uri="{FF2B5EF4-FFF2-40B4-BE49-F238E27FC236}">
-                <a16:creationId xmlns:a16="http://schemas.microsoft.com/office/drawing/2014/main" id="{B97C1C23-9620-FA32-E26F-0E3C3DD0CB33}"/>
+                <a16:creationId xmlns:a16="http://schemas.microsoft.com/office/drawing/2014/main" xmlns="" id="{B97C1C23-9620-FA32-E26F-0E3C3DD0CB33}"/>
               </a:ext>
             </a:extLst>
           </p:cNvPr>
